--- a/380 Hw7 show.pptx
+++ b/380 Hw7 show.pptx
@@ -127,7 +127,7 @@
   </p:defaultTextStyle>
   <p:extLst>
     <p:ext uri="{EFAFB233-063F-42B5-8137-9DF3F51BA10A}">
-      <p15:sldGuideLst xmlns:p15="http://schemas.microsoft.com/office/powerpoint/2012/main" xmlns="">
+      <p15:sldGuideLst xmlns="" xmlns:p15="http://schemas.microsoft.com/office/powerpoint/2012/main">
         <p15:guide id="1" orient="horz" pos="2160">
           <p15:clr>
             <a:srgbClr val="A4A3A4"/>
@@ -227,7 +227,7 @@
             <a:fld id="{162EBAC7-EB90-45AE-A417-0FEB256B4943}" type="datetimeFigureOut">
               <a:rPr lang="en-US" smtClean="0"/>
               <a:pPr/>
-              <a:t>5/6/2018</a:t>
+              <a:t>5/7/2018</a:t>
             </a:fld>
             <a:endParaRPr lang="en-US"/>
           </a:p>
@@ -686,7 +686,7 @@
             <a:fld id="{072B6705-8D93-423A-889F-8C454D41710C}" type="datetimeFigureOut">
               <a:rPr lang="en-US" smtClean="0"/>
               <a:pPr/>
-              <a:t>5/6/2018</a:t>
+              <a:t>5/7/2018</a:t>
             </a:fld>
             <a:endParaRPr lang="en-US" dirty="0"/>
           </a:p>
@@ -912,7 +912,7 @@
             <a:fld id="{072B6705-8D93-423A-889F-8C454D41710C}" type="datetimeFigureOut">
               <a:rPr lang="en-US" smtClean="0"/>
               <a:pPr/>
-              <a:t>5/6/2018</a:t>
+              <a:t>5/7/2018</a:t>
             </a:fld>
             <a:endParaRPr lang="en-US" dirty="0"/>
           </a:p>
@@ -1088,7 +1088,7 @@
             <a:fld id="{072B6705-8D93-423A-889F-8C454D41710C}" type="datetimeFigureOut">
               <a:rPr lang="en-US" smtClean="0"/>
               <a:pPr/>
-              <a:t>5/6/2018</a:t>
+              <a:t>5/7/2018</a:t>
             </a:fld>
             <a:endParaRPr lang="en-US" dirty="0"/>
           </a:p>
@@ -1254,7 +1254,7 @@
             <a:fld id="{072B6705-8D93-423A-889F-8C454D41710C}" type="datetimeFigureOut">
               <a:rPr lang="en-US" smtClean="0"/>
               <a:pPr/>
-              <a:t>5/6/2018</a:t>
+              <a:t>5/7/2018</a:t>
             </a:fld>
             <a:endParaRPr lang="en-US" dirty="0"/>
           </a:p>
@@ -1499,7 +1499,7 @@
             <a:fld id="{072B6705-8D93-423A-889F-8C454D41710C}" type="datetimeFigureOut">
               <a:rPr lang="en-US" smtClean="0"/>
               <a:pPr/>
-              <a:t>5/6/2018</a:t>
+              <a:t>5/7/2018</a:t>
             </a:fld>
             <a:endParaRPr lang="en-US" dirty="0"/>
           </a:p>
@@ -1764,7 +1764,7 @@
             <a:fld id="{072B6705-8D93-423A-889F-8C454D41710C}" type="datetimeFigureOut">
               <a:rPr lang="en-US" smtClean="0"/>
               <a:pPr/>
-              <a:t>5/6/2018</a:t>
+              <a:t>5/7/2018</a:t>
             </a:fld>
             <a:endParaRPr lang="en-US" dirty="0"/>
           </a:p>
@@ -2139,7 +2139,7 @@
             <a:fld id="{072B6705-8D93-423A-889F-8C454D41710C}" type="datetimeFigureOut">
               <a:rPr lang="en-US" smtClean="0"/>
               <a:pPr/>
-              <a:t>5/6/2018</a:t>
+              <a:t>5/7/2018</a:t>
             </a:fld>
             <a:endParaRPr lang="en-US" dirty="0"/>
           </a:p>
@@ -2253,7 +2253,7 @@
             <a:fld id="{072B6705-8D93-423A-889F-8C454D41710C}" type="datetimeFigureOut">
               <a:rPr lang="en-US" smtClean="0"/>
               <a:pPr/>
-              <a:t>5/6/2018</a:t>
+              <a:t>5/7/2018</a:t>
             </a:fld>
             <a:endParaRPr lang="en-US" dirty="0"/>
           </a:p>
@@ -2345,7 +2345,7 @@
             <a:fld id="{072B6705-8D93-423A-889F-8C454D41710C}" type="datetimeFigureOut">
               <a:rPr lang="en-US" smtClean="0"/>
               <a:pPr/>
-              <a:t>5/6/2018</a:t>
+              <a:t>5/7/2018</a:t>
             </a:fld>
             <a:endParaRPr lang="en-US" dirty="0"/>
           </a:p>
@@ -2604,7 +2604,7 @@
             <a:fld id="{072B6705-8D93-423A-889F-8C454D41710C}" type="datetimeFigureOut">
               <a:rPr lang="en-US" smtClean="0"/>
               <a:pPr/>
-              <a:t>5/6/2018</a:t>
+              <a:t>5/7/2018</a:t>
             </a:fld>
             <a:endParaRPr lang="en-US" dirty="0"/>
           </a:p>
@@ -2869,7 +2869,7 @@
             <a:fld id="{072B6705-8D93-423A-889F-8C454D41710C}" type="datetimeFigureOut">
               <a:rPr lang="en-US" smtClean="0"/>
               <a:pPr/>
-              <a:t>5/6/2018</a:t>
+              <a:t>5/7/2018</a:t>
             </a:fld>
             <a:endParaRPr lang="en-US" dirty="0"/>
           </a:p>
@@ -3086,7 +3086,7 @@
             <a:fld id="{072B6705-8D93-423A-889F-8C454D41710C}" type="datetimeFigureOut">
               <a:rPr lang="en-US" smtClean="0"/>
               <a:pPr/>
-              <a:t>5/6/2018</a:t>
+              <a:t>5/7/2018</a:t>
             </a:fld>
             <a:endParaRPr lang="en-US" dirty="0"/>
           </a:p>
@@ -3522,7 +3522,7 @@
           <p:cNvPr id="4" name="Picture 3" descr="black2.jpg">
             <a:extLst>
               <a:ext uri="{FF2B5EF4-FFF2-40B4-BE49-F238E27FC236}">
-                <a16:creationId xmlns:a16="http://schemas.microsoft.com/office/drawing/2014/main" xmlns="" id="{66EF00EB-89C1-4C65-9D54-A65070475B7C}"/>
+                <a16:creationId xmlns="" xmlns:a16="http://schemas.microsoft.com/office/drawing/2014/main" id="{66EF00EB-89C1-4C65-9D54-A65070475B7C}"/>
               </a:ext>
             </a:extLst>
           </p:cNvPr>
@@ -3552,7 +3552,7 @@
           <p:cNvPr id="2" name="Title 1">
             <a:extLst>
               <a:ext uri="{FF2B5EF4-FFF2-40B4-BE49-F238E27FC236}">
-                <a16:creationId xmlns:a16="http://schemas.microsoft.com/office/drawing/2014/main" xmlns="" id="{4D04FB7F-1B67-4B74-8713-13092D58C1E3}"/>
+                <a16:creationId xmlns="" xmlns:a16="http://schemas.microsoft.com/office/drawing/2014/main" id="{4D04FB7F-1B67-4B74-8713-13092D58C1E3}"/>
               </a:ext>
             </a:extLst>
           </p:cNvPr>
@@ -3585,7 +3585,7 @@
           <p:cNvPr id="3" name="Subtitle 2">
             <a:extLst>
               <a:ext uri="{FF2B5EF4-FFF2-40B4-BE49-F238E27FC236}">
-                <a16:creationId xmlns:a16="http://schemas.microsoft.com/office/drawing/2014/main" xmlns="" id="{3FE532B9-8A59-4586-AFD1-86257FBF6329}"/>
+                <a16:creationId xmlns="" xmlns:a16="http://schemas.microsoft.com/office/drawing/2014/main" id="{3FE532B9-8A59-4586-AFD1-86257FBF6329}"/>
               </a:ext>
             </a:extLst>
           </p:cNvPr>
@@ -3620,7 +3620,7 @@
     </p:spTree>
     <p:extLst>
       <p:ext uri="{BB962C8B-B14F-4D97-AF65-F5344CB8AC3E}">
-        <p14:creationId xmlns:p14="http://schemas.microsoft.com/office/powerpoint/2010/main" xmlns="" val="1375493963"/>
+        <p14:creationId xmlns="" xmlns:p14="http://schemas.microsoft.com/office/powerpoint/2010/main" val="1375493963"/>
       </p:ext>
     </p:extLst>
   </p:cSld>
@@ -3659,7 +3659,7 @@
           <p:cNvPr id="4" name="Picture 3" descr="black2.jpg">
             <a:extLst>
               <a:ext uri="{FF2B5EF4-FFF2-40B4-BE49-F238E27FC236}">
-                <a16:creationId xmlns:a16="http://schemas.microsoft.com/office/drawing/2014/main" xmlns="" id="{31F86E7B-AE76-48CD-85DC-3F3A40BBE20E}"/>
+                <a16:creationId xmlns="" xmlns:a16="http://schemas.microsoft.com/office/drawing/2014/main" id="{31F86E7B-AE76-48CD-85DC-3F3A40BBE20E}"/>
               </a:ext>
             </a:extLst>
           </p:cNvPr>
@@ -3689,7 +3689,7 @@
           <p:cNvPr id="2" name="Title 1">
             <a:extLst>
               <a:ext uri="{FF2B5EF4-FFF2-40B4-BE49-F238E27FC236}">
-                <a16:creationId xmlns:a16="http://schemas.microsoft.com/office/drawing/2014/main" xmlns="" id="{3FD48383-C2D6-4EAB-9C69-E7B0D77BDDF0}"/>
+                <a16:creationId xmlns="" xmlns:a16="http://schemas.microsoft.com/office/drawing/2014/main" id="{3FD48383-C2D6-4EAB-9C69-E7B0D77BDDF0}"/>
               </a:ext>
             </a:extLst>
           </p:cNvPr>
@@ -3719,7 +3719,7 @@
           <p:cNvPr id="3" name="Content Placeholder 2">
             <a:extLst>
               <a:ext uri="{FF2B5EF4-FFF2-40B4-BE49-F238E27FC236}">
-                <a16:creationId xmlns:a16="http://schemas.microsoft.com/office/drawing/2014/main" xmlns="" id="{8543D096-81AD-4E23-A6D0-7FEB82E594CE}"/>
+                <a16:creationId xmlns="" xmlns:a16="http://schemas.microsoft.com/office/drawing/2014/main" id="{8543D096-81AD-4E23-A6D0-7FEB82E594CE}"/>
               </a:ext>
             </a:extLst>
           </p:cNvPr>
@@ -3791,7 +3791,7 @@
     </p:spTree>
     <p:extLst>
       <p:ext uri="{BB962C8B-B14F-4D97-AF65-F5344CB8AC3E}">
-        <p14:creationId xmlns:p14="http://schemas.microsoft.com/office/powerpoint/2010/main" xmlns="" val="720678252"/>
+        <p14:creationId xmlns="" xmlns:p14="http://schemas.microsoft.com/office/powerpoint/2010/main" val="720678252"/>
       </p:ext>
     </p:extLst>
   </p:cSld>
@@ -3830,7 +3830,7 @@
           <p:cNvPr id="4" name="Picture 3" descr="black2.jpg">
             <a:extLst>
               <a:ext uri="{FF2B5EF4-FFF2-40B4-BE49-F238E27FC236}">
-                <a16:creationId xmlns:a16="http://schemas.microsoft.com/office/drawing/2014/main" xmlns="" id="{31F86E7B-AE76-48CD-85DC-3F3A40BBE20E}"/>
+                <a16:creationId xmlns="" xmlns:a16="http://schemas.microsoft.com/office/drawing/2014/main" id="{31F86E7B-AE76-48CD-85DC-3F3A40BBE20E}"/>
               </a:ext>
             </a:extLst>
           </p:cNvPr>
@@ -3860,7 +3860,7 @@
           <p:cNvPr id="2" name="Title 1">
             <a:extLst>
               <a:ext uri="{FF2B5EF4-FFF2-40B4-BE49-F238E27FC236}">
-                <a16:creationId xmlns:a16="http://schemas.microsoft.com/office/drawing/2014/main" xmlns="" id="{3FD48383-C2D6-4EAB-9C69-E7B0D77BDDF0}"/>
+                <a16:creationId xmlns="" xmlns:a16="http://schemas.microsoft.com/office/drawing/2014/main" id="{3FD48383-C2D6-4EAB-9C69-E7B0D77BDDF0}"/>
               </a:ext>
             </a:extLst>
           </p:cNvPr>
@@ -3891,7 +3891,7 @@
           <p:cNvPr id="3" name="Content Placeholder 2">
             <a:extLst>
               <a:ext uri="{FF2B5EF4-FFF2-40B4-BE49-F238E27FC236}">
-                <a16:creationId xmlns:a16="http://schemas.microsoft.com/office/drawing/2014/main" xmlns="" id="{8543D096-81AD-4E23-A6D0-7FEB82E594CE}"/>
+                <a16:creationId xmlns="" xmlns:a16="http://schemas.microsoft.com/office/drawing/2014/main" id="{8543D096-81AD-4E23-A6D0-7FEB82E594CE}"/>
               </a:ext>
             </a:extLst>
           </p:cNvPr>
@@ -3969,8 +3969,13 @@
             <a:pPr lvl="1"/>
             <a:r>
               <a:rPr lang="en-US" dirty="0" smtClean="0"/>
-              <a:t>SLOC count is: *insert*</a:t>
-            </a:r>
+              <a:t>SLOC count is: </a:t>
+            </a:r>
+            <a:r>
+              <a:rPr lang="en-US" dirty="0" smtClean="0"/>
+              <a:t>4186</a:t>
+            </a:r>
+            <a:endParaRPr lang="en-US" dirty="0" smtClean="0"/>
           </a:p>
           <a:p>
             <a:endParaRPr lang="en-US" dirty="0" smtClean="0"/>
@@ -3996,7 +4001,7 @@
     </p:spTree>
     <p:extLst>
       <p:ext uri="{BB962C8B-B14F-4D97-AF65-F5344CB8AC3E}">
-        <p14:creationId xmlns:p14="http://schemas.microsoft.com/office/powerpoint/2010/main" xmlns="" val="720678252"/>
+        <p14:creationId xmlns="" xmlns:p14="http://schemas.microsoft.com/office/powerpoint/2010/main" val="720678252"/>
       </p:ext>
     </p:extLst>
   </p:cSld>
@@ -4035,7 +4040,7 @@
           <p:cNvPr id="4" name="Picture 3" descr="black2.jpg">
             <a:extLst>
               <a:ext uri="{FF2B5EF4-FFF2-40B4-BE49-F238E27FC236}">
-                <a16:creationId xmlns:a16="http://schemas.microsoft.com/office/drawing/2014/main" xmlns="" id="{31F86E7B-AE76-48CD-85DC-3F3A40BBE20E}"/>
+                <a16:creationId xmlns="" xmlns:a16="http://schemas.microsoft.com/office/drawing/2014/main" id="{31F86E7B-AE76-48CD-85DC-3F3A40BBE20E}"/>
               </a:ext>
             </a:extLst>
           </p:cNvPr>
@@ -4065,7 +4070,7 @@
           <p:cNvPr id="2" name="Title 1">
             <a:extLst>
               <a:ext uri="{FF2B5EF4-FFF2-40B4-BE49-F238E27FC236}">
-                <a16:creationId xmlns:a16="http://schemas.microsoft.com/office/drawing/2014/main" xmlns="" id="{3FD48383-C2D6-4EAB-9C69-E7B0D77BDDF0}"/>
+                <a16:creationId xmlns="" xmlns:a16="http://schemas.microsoft.com/office/drawing/2014/main" id="{3FD48383-C2D6-4EAB-9C69-E7B0D77BDDF0}"/>
               </a:ext>
             </a:extLst>
           </p:cNvPr>
@@ -4129,7 +4134,7 @@
     </p:spTree>
     <p:extLst>
       <p:ext uri="{BB962C8B-B14F-4D97-AF65-F5344CB8AC3E}">
-        <p14:creationId xmlns:p14="http://schemas.microsoft.com/office/powerpoint/2010/main" xmlns="" val="720678252"/>
+        <p14:creationId xmlns="" xmlns:p14="http://schemas.microsoft.com/office/powerpoint/2010/main" val="720678252"/>
       </p:ext>
     </p:extLst>
   </p:cSld>
@@ -4168,7 +4173,7 @@
           <p:cNvPr id="4" name="Picture 3" descr="black2.jpg">
             <a:extLst>
               <a:ext uri="{FF2B5EF4-FFF2-40B4-BE49-F238E27FC236}">
-                <a16:creationId xmlns:a16="http://schemas.microsoft.com/office/drawing/2014/main" xmlns="" id="{31F86E7B-AE76-48CD-85DC-3F3A40BBE20E}"/>
+                <a16:creationId xmlns="" xmlns:a16="http://schemas.microsoft.com/office/drawing/2014/main" id="{31F86E7B-AE76-48CD-85DC-3F3A40BBE20E}"/>
               </a:ext>
             </a:extLst>
           </p:cNvPr>
@@ -4198,7 +4203,7 @@
           <p:cNvPr id="2" name="Title 1">
             <a:extLst>
               <a:ext uri="{FF2B5EF4-FFF2-40B4-BE49-F238E27FC236}">
-                <a16:creationId xmlns:a16="http://schemas.microsoft.com/office/drawing/2014/main" xmlns="" id="{3FD48383-C2D6-4EAB-9C69-E7B0D77BDDF0}"/>
+                <a16:creationId xmlns="" xmlns:a16="http://schemas.microsoft.com/office/drawing/2014/main" id="{3FD48383-C2D6-4EAB-9C69-E7B0D77BDDF0}"/>
               </a:ext>
             </a:extLst>
           </p:cNvPr>
@@ -4279,7 +4284,7 @@
     </p:spTree>
     <p:extLst>
       <p:ext uri="{BB962C8B-B14F-4D97-AF65-F5344CB8AC3E}">
-        <p14:creationId xmlns:p14="http://schemas.microsoft.com/office/powerpoint/2010/main" xmlns="" val="720678252"/>
+        <p14:creationId xmlns="" xmlns:p14="http://schemas.microsoft.com/office/powerpoint/2010/main" val="720678252"/>
       </p:ext>
     </p:extLst>
   </p:cSld>
@@ -4318,7 +4323,7 @@
           <p:cNvPr id="2" name="Title 1">
             <a:extLst>
               <a:ext uri="{FF2B5EF4-FFF2-40B4-BE49-F238E27FC236}">
-                <a16:creationId xmlns:a16="http://schemas.microsoft.com/office/drawing/2014/main" xmlns="" id="{3FD48383-C2D6-4EAB-9C69-E7B0D77BDDF0}"/>
+                <a16:creationId xmlns="" xmlns:a16="http://schemas.microsoft.com/office/drawing/2014/main" id="{3FD48383-C2D6-4EAB-9C69-E7B0D77BDDF0}"/>
               </a:ext>
             </a:extLst>
           </p:cNvPr>
@@ -4396,7 +4401,7 @@
     </p:spTree>
     <p:extLst>
       <p:ext uri="{BB962C8B-B14F-4D97-AF65-F5344CB8AC3E}">
-        <p14:creationId xmlns:p14="http://schemas.microsoft.com/office/powerpoint/2010/main" xmlns="" val="720678252"/>
+        <p14:creationId xmlns="" xmlns:p14="http://schemas.microsoft.com/office/powerpoint/2010/main" val="720678252"/>
       </p:ext>
     </p:extLst>
   </p:cSld>
@@ -4435,7 +4440,7 @@
           <p:cNvPr id="4" name="Picture 3" descr="black2.jpg">
             <a:extLst>
               <a:ext uri="{FF2B5EF4-FFF2-40B4-BE49-F238E27FC236}">
-                <a16:creationId xmlns:a16="http://schemas.microsoft.com/office/drawing/2014/main" xmlns="" id="{31F86E7B-AE76-48CD-85DC-3F3A40BBE20E}"/>
+                <a16:creationId xmlns="" xmlns:a16="http://schemas.microsoft.com/office/drawing/2014/main" id="{31F86E7B-AE76-48CD-85DC-3F3A40BBE20E}"/>
               </a:ext>
             </a:extLst>
           </p:cNvPr>
@@ -4465,7 +4470,7 @@
           <p:cNvPr id="2" name="Title 1">
             <a:extLst>
               <a:ext uri="{FF2B5EF4-FFF2-40B4-BE49-F238E27FC236}">
-                <a16:creationId xmlns:a16="http://schemas.microsoft.com/office/drawing/2014/main" xmlns="" id="{3FD48383-C2D6-4EAB-9C69-E7B0D77BDDF0}"/>
+                <a16:creationId xmlns="" xmlns:a16="http://schemas.microsoft.com/office/drawing/2014/main" id="{3FD48383-C2D6-4EAB-9C69-E7B0D77BDDF0}"/>
               </a:ext>
             </a:extLst>
           </p:cNvPr>
@@ -4496,7 +4501,7 @@
           <p:cNvPr id="3" name="Content Placeholder 2">
             <a:extLst>
               <a:ext uri="{FF2B5EF4-FFF2-40B4-BE49-F238E27FC236}">
-                <a16:creationId xmlns:a16="http://schemas.microsoft.com/office/drawing/2014/main" xmlns="" id="{8543D096-81AD-4E23-A6D0-7FEB82E594CE}"/>
+                <a16:creationId xmlns="" xmlns:a16="http://schemas.microsoft.com/office/drawing/2014/main" id="{8543D096-81AD-4E23-A6D0-7FEB82E594CE}"/>
               </a:ext>
             </a:extLst>
           </p:cNvPr>
@@ -4573,7 +4578,7 @@
     </p:spTree>
     <p:extLst>
       <p:ext uri="{BB962C8B-B14F-4D97-AF65-F5344CB8AC3E}">
-        <p14:creationId xmlns:p14="http://schemas.microsoft.com/office/powerpoint/2010/main" xmlns="" val="720678252"/>
+        <p14:creationId xmlns="" xmlns:p14="http://schemas.microsoft.com/office/powerpoint/2010/main" val="720678252"/>
       </p:ext>
     </p:extLst>
   </p:cSld>
@@ -4612,7 +4617,7 @@
           <p:cNvPr id="4" name="Picture 3" descr="black2.jpg">
             <a:extLst>
               <a:ext uri="{FF2B5EF4-FFF2-40B4-BE49-F238E27FC236}">
-                <a16:creationId xmlns:a16="http://schemas.microsoft.com/office/drawing/2014/main" xmlns="" id="{31F86E7B-AE76-48CD-85DC-3F3A40BBE20E}"/>
+                <a16:creationId xmlns="" xmlns:a16="http://schemas.microsoft.com/office/drawing/2014/main" id="{31F86E7B-AE76-48CD-85DC-3F3A40BBE20E}"/>
               </a:ext>
             </a:extLst>
           </p:cNvPr>
@@ -4768,7 +4773,7 @@
           <p:cNvPr id="4" name="Picture 3" descr="black2.jpg">
             <a:extLst>
               <a:ext uri="{FF2B5EF4-FFF2-40B4-BE49-F238E27FC236}">
-                <a16:creationId xmlns:a16="http://schemas.microsoft.com/office/drawing/2014/main" xmlns="" id="{31F86E7B-AE76-48CD-85DC-3F3A40BBE20E}"/>
+                <a16:creationId xmlns="" xmlns:a16="http://schemas.microsoft.com/office/drawing/2014/main" id="{31F86E7B-AE76-48CD-85DC-3F3A40BBE20E}"/>
               </a:ext>
             </a:extLst>
           </p:cNvPr>
@@ -4798,7 +4803,7 @@
           <p:cNvPr id="2" name="Title 1">
             <a:extLst>
               <a:ext uri="{FF2B5EF4-FFF2-40B4-BE49-F238E27FC236}">
-                <a16:creationId xmlns:a16="http://schemas.microsoft.com/office/drawing/2014/main" xmlns="" id="{3FD48383-C2D6-4EAB-9C69-E7B0D77BDDF0}"/>
+                <a16:creationId xmlns="" xmlns:a16="http://schemas.microsoft.com/office/drawing/2014/main" id="{3FD48383-C2D6-4EAB-9C69-E7B0D77BDDF0}"/>
               </a:ext>
             </a:extLst>
           </p:cNvPr>
@@ -4829,7 +4834,7 @@
           <p:cNvPr id="3" name="Content Placeholder 2">
             <a:extLst>
               <a:ext uri="{FF2B5EF4-FFF2-40B4-BE49-F238E27FC236}">
-                <a16:creationId xmlns:a16="http://schemas.microsoft.com/office/drawing/2014/main" xmlns="" id="{8543D096-81AD-4E23-A6D0-7FEB82E594CE}"/>
+                <a16:creationId xmlns="" xmlns:a16="http://schemas.microsoft.com/office/drawing/2014/main" id="{8543D096-81AD-4E23-A6D0-7FEB82E594CE}"/>
               </a:ext>
             </a:extLst>
           </p:cNvPr>
@@ -4883,7 +4888,7 @@
     </p:spTree>
     <p:extLst>
       <p:ext uri="{BB962C8B-B14F-4D97-AF65-F5344CB8AC3E}">
-        <p14:creationId xmlns:p14="http://schemas.microsoft.com/office/powerpoint/2010/main" xmlns="" val="720678252"/>
+        <p14:creationId xmlns="" xmlns:p14="http://schemas.microsoft.com/office/powerpoint/2010/main" val="720678252"/>
       </p:ext>
     </p:extLst>
   </p:cSld>
@@ -4922,7 +4927,7 @@
           <p:cNvPr id="4" name="Picture 3" descr="black2.jpg">
             <a:extLst>
               <a:ext uri="{FF2B5EF4-FFF2-40B4-BE49-F238E27FC236}">
-                <a16:creationId xmlns:a16="http://schemas.microsoft.com/office/drawing/2014/main" xmlns="" id="{31F86E7B-AE76-48CD-85DC-3F3A40BBE20E}"/>
+                <a16:creationId xmlns="" xmlns:a16="http://schemas.microsoft.com/office/drawing/2014/main" id="{31F86E7B-AE76-48CD-85DC-3F3A40BBE20E}"/>
               </a:ext>
             </a:extLst>
           </p:cNvPr>
@@ -4952,7 +4957,7 @@
           <p:cNvPr id="2" name="Title 1">
             <a:extLst>
               <a:ext uri="{FF2B5EF4-FFF2-40B4-BE49-F238E27FC236}">
-                <a16:creationId xmlns:a16="http://schemas.microsoft.com/office/drawing/2014/main" xmlns="" id="{3FD48383-C2D6-4EAB-9C69-E7B0D77BDDF0}"/>
+                <a16:creationId xmlns="" xmlns:a16="http://schemas.microsoft.com/office/drawing/2014/main" id="{3FD48383-C2D6-4EAB-9C69-E7B0D77BDDF0}"/>
               </a:ext>
             </a:extLst>
           </p:cNvPr>
@@ -4983,7 +4988,7 @@
           <p:cNvPr id="3" name="Content Placeholder 2">
             <a:extLst>
               <a:ext uri="{FF2B5EF4-FFF2-40B4-BE49-F238E27FC236}">
-                <a16:creationId xmlns:a16="http://schemas.microsoft.com/office/drawing/2014/main" xmlns="" id="{8543D096-81AD-4E23-A6D0-7FEB82E594CE}"/>
+                <a16:creationId xmlns="" xmlns:a16="http://schemas.microsoft.com/office/drawing/2014/main" id="{8543D096-81AD-4E23-A6D0-7FEB82E594CE}"/>
               </a:ext>
             </a:extLst>
           </p:cNvPr>
@@ -5054,7 +5059,7 @@
     </p:spTree>
     <p:extLst>
       <p:ext uri="{BB962C8B-B14F-4D97-AF65-F5344CB8AC3E}">
-        <p14:creationId xmlns:p14="http://schemas.microsoft.com/office/powerpoint/2010/main" xmlns="" val="720678252"/>
+        <p14:creationId xmlns="" xmlns:p14="http://schemas.microsoft.com/office/powerpoint/2010/main" val="720678252"/>
       </p:ext>
     </p:extLst>
   </p:cSld>
@@ -5093,7 +5098,7 @@
           <p:cNvPr id="4" name="Picture 3" descr="black2.jpg">
             <a:extLst>
               <a:ext uri="{FF2B5EF4-FFF2-40B4-BE49-F238E27FC236}">
-                <a16:creationId xmlns:a16="http://schemas.microsoft.com/office/drawing/2014/main" xmlns="" id="{66EF00EB-89C1-4C65-9D54-A65070475B7C}"/>
+                <a16:creationId xmlns="" xmlns:a16="http://schemas.microsoft.com/office/drawing/2014/main" id="{66EF00EB-89C1-4C65-9D54-A65070475B7C}"/>
               </a:ext>
             </a:extLst>
           </p:cNvPr>
@@ -5123,7 +5128,7 @@
           <p:cNvPr id="2" name="Title 1">
             <a:extLst>
               <a:ext uri="{FF2B5EF4-FFF2-40B4-BE49-F238E27FC236}">
-                <a16:creationId xmlns:a16="http://schemas.microsoft.com/office/drawing/2014/main" xmlns="" id="{4D04FB7F-1B67-4B74-8713-13092D58C1E3}"/>
+                <a16:creationId xmlns="" xmlns:a16="http://schemas.microsoft.com/office/drawing/2014/main" id="{4D04FB7F-1B67-4B74-8713-13092D58C1E3}"/>
               </a:ext>
             </a:extLst>
           </p:cNvPr>
@@ -5155,7 +5160,7 @@
     </p:spTree>
     <p:extLst>
       <p:ext uri="{BB962C8B-B14F-4D97-AF65-F5344CB8AC3E}">
-        <p14:creationId xmlns:p14="http://schemas.microsoft.com/office/powerpoint/2010/main" xmlns="" val="1375493963"/>
+        <p14:creationId xmlns="" xmlns:p14="http://schemas.microsoft.com/office/powerpoint/2010/main" val="1375493963"/>
       </p:ext>
     </p:extLst>
   </p:cSld>
@@ -5187,7 +5192,7 @@
           <p:cNvPr id="4" name="Picture 3" descr="black2.jpg">
             <a:extLst>
               <a:ext uri="{FF2B5EF4-FFF2-40B4-BE49-F238E27FC236}">
-                <a16:creationId xmlns:a16="http://schemas.microsoft.com/office/drawing/2014/main" xmlns="" id="{31F86E7B-AE76-48CD-85DC-3F3A40BBE20E}"/>
+                <a16:creationId xmlns="" xmlns:a16="http://schemas.microsoft.com/office/drawing/2014/main" id="{31F86E7B-AE76-48CD-85DC-3F3A40BBE20E}"/>
               </a:ext>
             </a:extLst>
           </p:cNvPr>
@@ -5217,7 +5222,7 @@
           <p:cNvPr id="2" name="Title 1">
             <a:extLst>
               <a:ext uri="{FF2B5EF4-FFF2-40B4-BE49-F238E27FC236}">
-                <a16:creationId xmlns:a16="http://schemas.microsoft.com/office/drawing/2014/main" xmlns="" id="{3FD48383-C2D6-4EAB-9C69-E7B0D77BDDF0}"/>
+                <a16:creationId xmlns="" xmlns:a16="http://schemas.microsoft.com/office/drawing/2014/main" id="{3FD48383-C2D6-4EAB-9C69-E7B0D77BDDF0}"/>
               </a:ext>
             </a:extLst>
           </p:cNvPr>
@@ -5260,7 +5265,7 @@
           <p:cNvPr id="3" name="Content Placeholder 2">
             <a:extLst>
               <a:ext uri="{FF2B5EF4-FFF2-40B4-BE49-F238E27FC236}">
-                <a16:creationId xmlns:a16="http://schemas.microsoft.com/office/drawing/2014/main" xmlns="" id="{8543D096-81AD-4E23-A6D0-7FEB82E594CE}"/>
+                <a16:creationId xmlns="" xmlns:a16="http://schemas.microsoft.com/office/drawing/2014/main" id="{8543D096-81AD-4E23-A6D0-7FEB82E594CE}"/>
               </a:ext>
             </a:extLst>
           </p:cNvPr>
@@ -5297,7 +5302,7 @@
     </p:spTree>
     <p:extLst>
       <p:ext uri="{BB962C8B-B14F-4D97-AF65-F5344CB8AC3E}">
-        <p14:creationId xmlns:p14="http://schemas.microsoft.com/office/powerpoint/2010/main" xmlns="" val="2337341303"/>
+        <p14:creationId xmlns="" xmlns:p14="http://schemas.microsoft.com/office/powerpoint/2010/main" val="2337341303"/>
       </p:ext>
     </p:extLst>
   </p:cSld>
@@ -5336,7 +5341,7 @@
           <p:cNvPr id="4" name="Picture 3" descr="black2.jpg">
             <a:extLst>
               <a:ext uri="{FF2B5EF4-FFF2-40B4-BE49-F238E27FC236}">
-                <a16:creationId xmlns:a16="http://schemas.microsoft.com/office/drawing/2014/main" xmlns="" id="{31F86E7B-AE76-48CD-85DC-3F3A40BBE20E}"/>
+                <a16:creationId xmlns="" xmlns:a16="http://schemas.microsoft.com/office/drawing/2014/main" id="{31F86E7B-AE76-48CD-85DC-3F3A40BBE20E}"/>
               </a:ext>
             </a:extLst>
           </p:cNvPr>
@@ -5366,7 +5371,7 @@
           <p:cNvPr id="2" name="Title 1">
             <a:extLst>
               <a:ext uri="{FF2B5EF4-FFF2-40B4-BE49-F238E27FC236}">
-                <a16:creationId xmlns:a16="http://schemas.microsoft.com/office/drawing/2014/main" xmlns="" id="{3FD48383-C2D6-4EAB-9C69-E7B0D77BDDF0}"/>
+                <a16:creationId xmlns="" xmlns:a16="http://schemas.microsoft.com/office/drawing/2014/main" id="{3FD48383-C2D6-4EAB-9C69-E7B0D77BDDF0}"/>
               </a:ext>
             </a:extLst>
           </p:cNvPr>
@@ -5397,7 +5402,7 @@
           <p:cNvPr id="3" name="Content Placeholder 2">
             <a:extLst>
               <a:ext uri="{FF2B5EF4-FFF2-40B4-BE49-F238E27FC236}">
-                <a16:creationId xmlns:a16="http://schemas.microsoft.com/office/drawing/2014/main" xmlns="" id="{8543D096-81AD-4E23-A6D0-7FEB82E594CE}"/>
+                <a16:creationId xmlns="" xmlns:a16="http://schemas.microsoft.com/office/drawing/2014/main" id="{8543D096-81AD-4E23-A6D0-7FEB82E594CE}"/>
               </a:ext>
             </a:extLst>
           </p:cNvPr>
@@ -5435,7 +5440,7 @@
     </p:spTree>
     <p:extLst>
       <p:ext uri="{BB962C8B-B14F-4D97-AF65-F5344CB8AC3E}">
-        <p14:creationId xmlns:p14="http://schemas.microsoft.com/office/powerpoint/2010/main" xmlns="" val="2337341303"/>
+        <p14:creationId xmlns="" xmlns:p14="http://schemas.microsoft.com/office/powerpoint/2010/main" val="2337341303"/>
       </p:ext>
     </p:extLst>
   </p:cSld>
@@ -5474,7 +5479,7 @@
           <p:cNvPr id="4" name="Picture 3" descr="black2.jpg">
             <a:extLst>
               <a:ext uri="{FF2B5EF4-FFF2-40B4-BE49-F238E27FC236}">
-                <a16:creationId xmlns:a16="http://schemas.microsoft.com/office/drawing/2014/main" xmlns="" id="{31F86E7B-AE76-48CD-85DC-3F3A40BBE20E}"/>
+                <a16:creationId xmlns="" xmlns:a16="http://schemas.microsoft.com/office/drawing/2014/main" id="{31F86E7B-AE76-48CD-85DC-3F3A40BBE20E}"/>
               </a:ext>
             </a:extLst>
           </p:cNvPr>
@@ -5504,7 +5509,7 @@
           <p:cNvPr id="2" name="Title 1">
             <a:extLst>
               <a:ext uri="{FF2B5EF4-FFF2-40B4-BE49-F238E27FC236}">
-                <a16:creationId xmlns:a16="http://schemas.microsoft.com/office/drawing/2014/main" xmlns="" id="{3FD48383-C2D6-4EAB-9C69-E7B0D77BDDF0}"/>
+                <a16:creationId xmlns="" xmlns:a16="http://schemas.microsoft.com/office/drawing/2014/main" id="{3FD48383-C2D6-4EAB-9C69-E7B0D77BDDF0}"/>
               </a:ext>
             </a:extLst>
           </p:cNvPr>
@@ -5535,7 +5540,7 @@
           <p:cNvPr id="3" name="Content Placeholder 2">
             <a:extLst>
               <a:ext uri="{FF2B5EF4-FFF2-40B4-BE49-F238E27FC236}">
-                <a16:creationId xmlns:a16="http://schemas.microsoft.com/office/drawing/2014/main" xmlns="" id="{8543D096-81AD-4E23-A6D0-7FEB82E594CE}"/>
+                <a16:creationId xmlns="" xmlns:a16="http://schemas.microsoft.com/office/drawing/2014/main" id="{8543D096-81AD-4E23-A6D0-7FEB82E594CE}"/>
               </a:ext>
             </a:extLst>
           </p:cNvPr>
@@ -5600,7 +5605,7 @@
     </p:spTree>
     <p:extLst>
       <p:ext uri="{BB962C8B-B14F-4D97-AF65-F5344CB8AC3E}">
-        <p14:creationId xmlns:p14="http://schemas.microsoft.com/office/powerpoint/2010/main" xmlns="" val="390789428"/>
+        <p14:creationId xmlns="" xmlns:p14="http://schemas.microsoft.com/office/powerpoint/2010/main" val="390789428"/>
       </p:ext>
     </p:extLst>
   </p:cSld>
@@ -5639,7 +5644,7 @@
           <p:cNvPr id="4" name="Picture 3" descr="black2.jpg">
             <a:extLst>
               <a:ext uri="{FF2B5EF4-FFF2-40B4-BE49-F238E27FC236}">
-                <a16:creationId xmlns:a16="http://schemas.microsoft.com/office/drawing/2014/main" xmlns="" id="{31F86E7B-AE76-48CD-85DC-3F3A40BBE20E}"/>
+                <a16:creationId xmlns="" xmlns:a16="http://schemas.microsoft.com/office/drawing/2014/main" id="{31F86E7B-AE76-48CD-85DC-3F3A40BBE20E}"/>
               </a:ext>
             </a:extLst>
           </p:cNvPr>
@@ -5669,7 +5674,7 @@
           <p:cNvPr id="2" name="Title 1">
             <a:extLst>
               <a:ext uri="{FF2B5EF4-FFF2-40B4-BE49-F238E27FC236}">
-                <a16:creationId xmlns:a16="http://schemas.microsoft.com/office/drawing/2014/main" xmlns="" id="{3FD48383-C2D6-4EAB-9C69-E7B0D77BDDF0}"/>
+                <a16:creationId xmlns="" xmlns:a16="http://schemas.microsoft.com/office/drawing/2014/main" id="{3FD48383-C2D6-4EAB-9C69-E7B0D77BDDF0}"/>
               </a:ext>
             </a:extLst>
           </p:cNvPr>
@@ -5700,7 +5705,7 @@
           <p:cNvPr id="3" name="Content Placeholder 2">
             <a:extLst>
               <a:ext uri="{FF2B5EF4-FFF2-40B4-BE49-F238E27FC236}">
-                <a16:creationId xmlns:a16="http://schemas.microsoft.com/office/drawing/2014/main" xmlns="" id="{8543D096-81AD-4E23-A6D0-7FEB82E594CE}"/>
+                <a16:creationId xmlns="" xmlns:a16="http://schemas.microsoft.com/office/drawing/2014/main" id="{8543D096-81AD-4E23-A6D0-7FEB82E594CE}"/>
               </a:ext>
             </a:extLst>
           </p:cNvPr>
@@ -5779,7 +5784,7 @@
     </p:spTree>
     <p:extLst>
       <p:ext uri="{BB962C8B-B14F-4D97-AF65-F5344CB8AC3E}">
-        <p14:creationId xmlns:p14="http://schemas.microsoft.com/office/powerpoint/2010/main" xmlns="" val="2337341303"/>
+        <p14:creationId xmlns="" xmlns:p14="http://schemas.microsoft.com/office/powerpoint/2010/main" val="2337341303"/>
       </p:ext>
     </p:extLst>
   </p:cSld>
@@ -5818,7 +5823,7 @@
           <p:cNvPr id="4" name="Picture 3" descr="black2.jpg">
             <a:extLst>
               <a:ext uri="{FF2B5EF4-FFF2-40B4-BE49-F238E27FC236}">
-                <a16:creationId xmlns:a16="http://schemas.microsoft.com/office/drawing/2014/main" xmlns="" id="{31F86E7B-AE76-48CD-85DC-3F3A40BBE20E}"/>
+                <a16:creationId xmlns="" xmlns:a16="http://schemas.microsoft.com/office/drawing/2014/main" id="{31F86E7B-AE76-48CD-85DC-3F3A40BBE20E}"/>
               </a:ext>
             </a:extLst>
           </p:cNvPr>
@@ -5848,7 +5853,7 @@
           <p:cNvPr id="2" name="Title 1">
             <a:extLst>
               <a:ext uri="{FF2B5EF4-FFF2-40B4-BE49-F238E27FC236}">
-                <a16:creationId xmlns:a16="http://schemas.microsoft.com/office/drawing/2014/main" xmlns="" id="{3FD48383-C2D6-4EAB-9C69-E7B0D77BDDF0}"/>
+                <a16:creationId xmlns="" xmlns:a16="http://schemas.microsoft.com/office/drawing/2014/main" id="{3FD48383-C2D6-4EAB-9C69-E7B0D77BDDF0}"/>
               </a:ext>
             </a:extLst>
           </p:cNvPr>
@@ -5878,7 +5883,7 @@
           <p:cNvPr id="3" name="Content Placeholder 2">
             <a:extLst>
               <a:ext uri="{FF2B5EF4-FFF2-40B4-BE49-F238E27FC236}">
-                <a16:creationId xmlns:a16="http://schemas.microsoft.com/office/drawing/2014/main" xmlns="" id="{8543D096-81AD-4E23-A6D0-7FEB82E594CE}"/>
+                <a16:creationId xmlns="" xmlns:a16="http://schemas.microsoft.com/office/drawing/2014/main" id="{8543D096-81AD-4E23-A6D0-7FEB82E594CE}"/>
               </a:ext>
             </a:extLst>
           </p:cNvPr>
@@ -5957,7 +5962,7 @@
     </p:spTree>
     <p:extLst>
       <p:ext uri="{BB962C8B-B14F-4D97-AF65-F5344CB8AC3E}">
-        <p14:creationId xmlns:p14="http://schemas.microsoft.com/office/powerpoint/2010/main" xmlns="" val="3730645901"/>
+        <p14:creationId xmlns="" xmlns:p14="http://schemas.microsoft.com/office/powerpoint/2010/main" val="3730645901"/>
       </p:ext>
     </p:extLst>
   </p:cSld>
@@ -5996,7 +6001,7 @@
           <p:cNvPr id="4" name="Picture 3" descr="black2.jpg">
             <a:extLst>
               <a:ext uri="{FF2B5EF4-FFF2-40B4-BE49-F238E27FC236}">
-                <a16:creationId xmlns:a16="http://schemas.microsoft.com/office/drawing/2014/main" xmlns="" id="{31F86E7B-AE76-48CD-85DC-3F3A40BBE20E}"/>
+                <a16:creationId xmlns="" xmlns:a16="http://schemas.microsoft.com/office/drawing/2014/main" id="{31F86E7B-AE76-48CD-85DC-3F3A40BBE20E}"/>
               </a:ext>
             </a:extLst>
           </p:cNvPr>
@@ -6026,7 +6031,7 @@
           <p:cNvPr id="2" name="Title 1">
             <a:extLst>
               <a:ext uri="{FF2B5EF4-FFF2-40B4-BE49-F238E27FC236}">
-                <a16:creationId xmlns:a16="http://schemas.microsoft.com/office/drawing/2014/main" xmlns="" id="{3FD48383-C2D6-4EAB-9C69-E7B0D77BDDF0}"/>
+                <a16:creationId xmlns="" xmlns:a16="http://schemas.microsoft.com/office/drawing/2014/main" id="{3FD48383-C2D6-4EAB-9C69-E7B0D77BDDF0}"/>
               </a:ext>
             </a:extLst>
           </p:cNvPr>
@@ -6056,7 +6061,7 @@
           <p:cNvPr id="3" name="Content Placeholder 2">
             <a:extLst>
               <a:ext uri="{FF2B5EF4-FFF2-40B4-BE49-F238E27FC236}">
-                <a16:creationId xmlns:a16="http://schemas.microsoft.com/office/drawing/2014/main" xmlns="" id="{8543D096-81AD-4E23-A6D0-7FEB82E594CE}"/>
+                <a16:creationId xmlns="" xmlns:a16="http://schemas.microsoft.com/office/drawing/2014/main" id="{8543D096-81AD-4E23-A6D0-7FEB82E594CE}"/>
               </a:ext>
             </a:extLst>
           </p:cNvPr>
@@ -6186,7 +6191,7 @@
     </p:spTree>
     <p:extLst>
       <p:ext uri="{BB962C8B-B14F-4D97-AF65-F5344CB8AC3E}">
-        <p14:creationId xmlns:p14="http://schemas.microsoft.com/office/powerpoint/2010/main" xmlns="" val="381198207"/>
+        <p14:creationId xmlns="" xmlns:p14="http://schemas.microsoft.com/office/powerpoint/2010/main" val="381198207"/>
       </p:ext>
     </p:extLst>
   </p:cSld>
@@ -6225,7 +6230,7 @@
           <p:cNvPr id="4" name="Picture 3" descr="black2.jpg">
             <a:extLst>
               <a:ext uri="{FF2B5EF4-FFF2-40B4-BE49-F238E27FC236}">
-                <a16:creationId xmlns:a16="http://schemas.microsoft.com/office/drawing/2014/main" xmlns="" id="{31F86E7B-AE76-48CD-85DC-3F3A40BBE20E}"/>
+                <a16:creationId xmlns="" xmlns:a16="http://schemas.microsoft.com/office/drawing/2014/main" id="{31F86E7B-AE76-48CD-85DC-3F3A40BBE20E}"/>
               </a:ext>
             </a:extLst>
           </p:cNvPr>
@@ -6255,7 +6260,7 @@
           <p:cNvPr id="2" name="Title 1">
             <a:extLst>
               <a:ext uri="{FF2B5EF4-FFF2-40B4-BE49-F238E27FC236}">
-                <a16:creationId xmlns:a16="http://schemas.microsoft.com/office/drawing/2014/main" xmlns="" id="{3FD48383-C2D6-4EAB-9C69-E7B0D77BDDF0}"/>
+                <a16:creationId xmlns="" xmlns:a16="http://schemas.microsoft.com/office/drawing/2014/main" id="{3FD48383-C2D6-4EAB-9C69-E7B0D77BDDF0}"/>
               </a:ext>
             </a:extLst>
           </p:cNvPr>
@@ -6285,7 +6290,7 @@
           <p:cNvPr id="3" name="Content Placeholder 2">
             <a:extLst>
               <a:ext uri="{FF2B5EF4-FFF2-40B4-BE49-F238E27FC236}">
-                <a16:creationId xmlns:a16="http://schemas.microsoft.com/office/drawing/2014/main" xmlns="" id="{8543D096-81AD-4E23-A6D0-7FEB82E594CE}"/>
+                <a16:creationId xmlns="" xmlns:a16="http://schemas.microsoft.com/office/drawing/2014/main" id="{8543D096-81AD-4E23-A6D0-7FEB82E594CE}"/>
               </a:ext>
             </a:extLst>
           </p:cNvPr>
@@ -6355,7 +6360,7 @@
     </p:spTree>
     <p:extLst>
       <p:ext uri="{BB962C8B-B14F-4D97-AF65-F5344CB8AC3E}">
-        <p14:creationId xmlns:p14="http://schemas.microsoft.com/office/powerpoint/2010/main" xmlns="" val="2058722671"/>
+        <p14:creationId xmlns="" xmlns:p14="http://schemas.microsoft.com/office/powerpoint/2010/main" val="2058722671"/>
       </p:ext>
     </p:extLst>
   </p:cSld>
@@ -6394,7 +6399,7 @@
           <p:cNvPr id="4" name="Picture 3" descr="black2.jpg">
             <a:extLst>
               <a:ext uri="{FF2B5EF4-FFF2-40B4-BE49-F238E27FC236}">
-                <a16:creationId xmlns:a16="http://schemas.microsoft.com/office/drawing/2014/main" xmlns="" id="{31F86E7B-AE76-48CD-85DC-3F3A40BBE20E}"/>
+                <a16:creationId xmlns="" xmlns:a16="http://schemas.microsoft.com/office/drawing/2014/main" id="{31F86E7B-AE76-48CD-85DC-3F3A40BBE20E}"/>
               </a:ext>
             </a:extLst>
           </p:cNvPr>
@@ -6424,7 +6429,7 @@
           <p:cNvPr id="2" name="Title 1">
             <a:extLst>
               <a:ext uri="{FF2B5EF4-FFF2-40B4-BE49-F238E27FC236}">
-                <a16:creationId xmlns:a16="http://schemas.microsoft.com/office/drawing/2014/main" xmlns="" id="{3FD48383-C2D6-4EAB-9C69-E7B0D77BDDF0}"/>
+                <a16:creationId xmlns="" xmlns:a16="http://schemas.microsoft.com/office/drawing/2014/main" id="{3FD48383-C2D6-4EAB-9C69-E7B0D77BDDF0}"/>
               </a:ext>
             </a:extLst>
           </p:cNvPr>
@@ -6454,7 +6459,7 @@
           <p:cNvPr id="3" name="Content Placeholder 2">
             <a:extLst>
               <a:ext uri="{FF2B5EF4-FFF2-40B4-BE49-F238E27FC236}">
-                <a16:creationId xmlns:a16="http://schemas.microsoft.com/office/drawing/2014/main" xmlns="" id="{8543D096-81AD-4E23-A6D0-7FEB82E594CE}"/>
+                <a16:creationId xmlns="" xmlns:a16="http://schemas.microsoft.com/office/drawing/2014/main" id="{8543D096-81AD-4E23-A6D0-7FEB82E594CE}"/>
               </a:ext>
             </a:extLst>
           </p:cNvPr>
@@ -6526,7 +6531,7 @@
     </p:spTree>
     <p:extLst>
       <p:ext uri="{BB962C8B-B14F-4D97-AF65-F5344CB8AC3E}">
-        <p14:creationId xmlns:p14="http://schemas.microsoft.com/office/powerpoint/2010/main" xmlns="" val="3032277347"/>
+        <p14:creationId xmlns="" xmlns:p14="http://schemas.microsoft.com/office/powerpoint/2010/main" val="3032277347"/>
       </p:ext>
     </p:extLst>
   </p:cSld>
